--- a/docs/TCC_Gabriel.pptx
+++ b/docs/TCC_Gabriel.pptx
@@ -108,6 +108,11 @@
       </a:defRPr>
     </a:lvl9pPr>
   </p:defaultTextStyle>
+  <p:extLst>
+    <p:ext uri="{EFAFB233-063F-42B5-8137-9DF3F51BA10A}">
+      <p15:sldGuideLst xmlns:p15="http://schemas.microsoft.com/office/powerpoint/2012/main"/>
+    </p:ext>
+  </p:extLst>
 </p:presentation>
 </file>
 
@@ -294,7 +299,7 @@
           <a:p>
             <a:fld id="{4AAD347D-5ACD-4C99-B74B-A9C85AD731AF}" type="datetimeFigureOut">
               <a:rPr lang="en-US" dirty="0"/>
-              <a:t>5/2/2020</a:t>
+              <a:t>5/7/2020</a:t>
             </a:fld>
             <a:endParaRPr lang="en-US" dirty="0"/>
           </a:p>
@@ -564,7 +569,7 @@
           <a:p>
             <a:fld id="{4509A250-FF31-4206-8172-F9D3106AACB1}" type="datetimeFigureOut">
               <a:rPr lang="en-US" dirty="0"/>
-              <a:t>5/2/2020</a:t>
+              <a:t>5/7/2020</a:t>
             </a:fld>
             <a:endParaRPr lang="en-US" dirty="0"/>
           </a:p>
@@ -753,7 +758,7 @@
           <a:p>
             <a:fld id="{4509A250-FF31-4206-8172-F9D3106AACB1}" type="datetimeFigureOut">
               <a:rPr lang="en-US" dirty="0"/>
-              <a:t>5/2/2020</a:t>
+              <a:t>5/7/2020</a:t>
             </a:fld>
             <a:endParaRPr lang="en-US" dirty="0"/>
           </a:p>
@@ -1016,7 +1021,7 @@
           <a:p>
             <a:fld id="{4509A250-FF31-4206-8172-F9D3106AACB1}" type="datetimeFigureOut">
               <a:rPr lang="en-US" dirty="0"/>
-              <a:t>5/2/2020</a:t>
+              <a:t>5/7/2020</a:t>
             </a:fld>
             <a:endParaRPr lang="en-US" dirty="0"/>
           </a:p>
@@ -1343,7 +1348,7 @@
           <a:p>
             <a:fld id="{4509A250-FF31-4206-8172-F9D3106AACB1}" type="datetimeFigureOut">
               <a:rPr lang="en-US" dirty="0"/>
-              <a:t>5/2/2020</a:t>
+              <a:t>5/7/2020</a:t>
             </a:fld>
             <a:endParaRPr lang="en-US" dirty="0"/>
           </a:p>
@@ -1948,7 +1953,7 @@
           <a:p>
             <a:fld id="{4509A250-FF31-4206-8172-F9D3106AACB1}" type="datetimeFigureOut">
               <a:rPr lang="en-US" dirty="0"/>
-              <a:t>5/2/2020</a:t>
+              <a:t>5/7/2020</a:t>
             </a:fld>
             <a:endParaRPr lang="en-US" dirty="0"/>
           </a:p>
@@ -2790,7 +2795,7 @@
           <a:p>
             <a:fld id="{4509A250-FF31-4206-8172-F9D3106AACB1}" type="datetimeFigureOut">
               <a:rPr lang="en-US" dirty="0"/>
-              <a:t>5/2/2020</a:t>
+              <a:t>5/7/2020</a:t>
             </a:fld>
             <a:endParaRPr lang="en-US" dirty="0"/>
           </a:p>
@@ -2955,7 +2960,7 @@
           <a:p>
             <a:fld id="{4509A250-FF31-4206-8172-F9D3106AACB1}" type="datetimeFigureOut">
               <a:rPr lang="en-US" dirty="0"/>
-              <a:t>5/2/2020</a:t>
+              <a:t>5/7/2020</a:t>
             </a:fld>
             <a:endParaRPr lang="en-US" dirty="0"/>
           </a:p>
@@ -3130,7 +3135,7 @@
           <a:p>
             <a:fld id="{4509A250-FF31-4206-8172-F9D3106AACB1}" type="datetimeFigureOut">
               <a:rPr lang="en-US" dirty="0"/>
-              <a:t>5/2/2020</a:t>
+              <a:t>5/7/2020</a:t>
             </a:fld>
             <a:endParaRPr lang="en-US" dirty="0"/>
           </a:p>
@@ -3295,7 +3300,7 @@
           <a:p>
             <a:fld id="{4509A250-FF31-4206-8172-F9D3106AACB1}" type="datetimeFigureOut">
               <a:rPr lang="en-US" dirty="0"/>
-              <a:t>5/2/2020</a:t>
+              <a:t>5/7/2020</a:t>
             </a:fld>
             <a:endParaRPr lang="en-US" dirty="0"/>
           </a:p>
@@ -3534,7 +3539,7 @@
           <a:p>
             <a:fld id="{4509A250-FF31-4206-8172-F9D3106AACB1}" type="datetimeFigureOut">
               <a:rPr lang="en-US" dirty="0"/>
-              <a:t>5/2/2020</a:t>
+              <a:t>5/7/2020</a:t>
             </a:fld>
             <a:endParaRPr lang="en-US" dirty="0"/>
           </a:p>
@@ -3821,7 +3826,7 @@
           <a:p>
             <a:fld id="{4509A250-FF31-4206-8172-F9D3106AACB1}" type="datetimeFigureOut">
               <a:rPr lang="en-US" dirty="0"/>
-              <a:t>5/2/2020</a:t>
+              <a:t>5/7/2020</a:t>
             </a:fld>
             <a:endParaRPr lang="en-US" dirty="0"/>
           </a:p>
@@ -4254,7 +4259,7 @@
           <a:p>
             <a:fld id="{4509A250-FF31-4206-8172-F9D3106AACB1}" type="datetimeFigureOut">
               <a:rPr lang="en-US" dirty="0"/>
-              <a:t>5/2/2020</a:t>
+              <a:t>5/7/2020</a:t>
             </a:fld>
             <a:endParaRPr lang="en-US" dirty="0"/>
           </a:p>
@@ -4367,7 +4372,7 @@
           <a:p>
             <a:fld id="{4509A250-FF31-4206-8172-F9D3106AACB1}" type="datetimeFigureOut">
               <a:rPr lang="en-US" dirty="0"/>
-              <a:t>5/2/2020</a:t>
+              <a:t>5/7/2020</a:t>
             </a:fld>
             <a:endParaRPr lang="en-US" dirty="0"/>
           </a:p>
@@ -4457,7 +4462,7 @@
           <a:p>
             <a:fld id="{4509A250-FF31-4206-8172-F9D3106AACB1}" type="datetimeFigureOut">
               <a:rPr lang="en-US" dirty="0"/>
-              <a:t>5/2/2020</a:t>
+              <a:t>5/7/2020</a:t>
             </a:fld>
             <a:endParaRPr lang="en-US" dirty="0"/>
           </a:p>
@@ -4731,7 +4736,7 @@
           <a:p>
             <a:fld id="{4509A250-FF31-4206-8172-F9D3106AACB1}" type="datetimeFigureOut">
               <a:rPr lang="en-US" dirty="0"/>
-              <a:t>5/2/2020</a:t>
+              <a:t>5/7/2020</a:t>
             </a:fld>
             <a:endParaRPr lang="en-US" dirty="0"/>
           </a:p>
@@ -5001,7 +5006,7 @@
           <a:p>
             <a:fld id="{4509A250-FF31-4206-8172-F9D3106AACB1}" type="datetimeFigureOut">
               <a:rPr lang="en-US" dirty="0"/>
-              <a:t>5/2/2020</a:t>
+              <a:t>5/7/2020</a:t>
             </a:fld>
             <a:endParaRPr lang="en-US" dirty="0"/>
           </a:p>
@@ -5425,7 +5430,7 @@
           <a:p>
             <a:fld id="{4509A250-FF31-4206-8172-F9D3106AACB1}" type="datetimeFigureOut">
               <a:rPr lang="en-US" dirty="0"/>
-              <a:t>5/2/2020</a:t>
+              <a:t>5/7/2020</a:t>
             </a:fld>
             <a:endParaRPr lang="en-US" dirty="0"/>
           </a:p>
@@ -6452,7 +6457,7 @@
           <a:p>
             <a:r>
               <a:rPr lang="pt-BR" dirty="0"/>
-              <a:t>Coletados entre 2011 e 2013</a:t>
+              <a:t>Coletados entre Setembro/2011 e Abril/2013</a:t>
             </a:r>
           </a:p>
           <a:p>
@@ -6622,31 +6627,6 @@
               <a:rPr lang="pt-BR" dirty="0"/>
               <a:t>Demonstração</a:t>
             </a:r>
-          </a:p>
-        </p:txBody>
-      </p:sp>
-      <p:sp>
-        <p:nvSpPr>
-          <p:cNvPr id="3" name="Espaço Reservado para Conteúdo 2">
-            <a:extLst>
-              <a:ext uri="{FF2B5EF4-FFF2-40B4-BE49-F238E27FC236}">
-                <a16:creationId xmlns:a16="http://schemas.microsoft.com/office/drawing/2014/main" id="{04F2BAAE-AA12-43D8-8F2F-10AA26B305A3}"/>
-              </a:ext>
-            </a:extLst>
-          </p:cNvPr>
-          <p:cNvSpPr>
-            <a:spLocks noGrp="1"/>
-          </p:cNvSpPr>
-          <p:nvPr>
-            <p:ph idx="1"/>
-          </p:nvPr>
-        </p:nvSpPr>
-        <p:spPr/>
-        <p:txBody>
-          <a:bodyPr/>
-          <a:lstStyle/>
-          <a:p>
-            <a:endParaRPr lang="pt-BR" dirty="0"/>
           </a:p>
         </p:txBody>
       </p:sp>
